--- a/Elastic Search - Copy.pptx
+++ b/Elastic Search - Copy.pptx
@@ -29,9 +29,18 @@
     <p:sldId id="276" r:id="rId23"/>
     <p:sldId id="277" r:id="rId24"/>
     <p:sldId id="278" r:id="rId25"/>
-    <p:sldId id="279" r:id="rId26"/>
-    <p:sldId id="280" r:id="rId27"/>
-    <p:sldId id="282" r:id="rId28"/>
+    <p:sldId id="309" r:id="rId26"/>
+    <p:sldId id="311" r:id="rId27"/>
+    <p:sldId id="315" r:id="rId28"/>
+    <p:sldId id="326" r:id="rId29"/>
+    <p:sldId id="316" r:id="rId30"/>
+    <p:sldId id="317" r:id="rId31"/>
+    <p:sldId id="318" r:id="rId32"/>
+    <p:sldId id="319" r:id="rId33"/>
+    <p:sldId id="312" r:id="rId34"/>
+    <p:sldId id="313" r:id="rId35"/>
+    <p:sldId id="314" r:id="rId36"/>
+    <p:sldId id="279" r:id="rId37"/>
   </p:sldIdLst>
   <p:sldSz cx="9144000" cy="6858000" type="screen4x3"/>
   <p:notesSz cx="6858000" cy="9144000"/>
@@ -315,7 +324,7 @@
             <a:fld id="{1D8BD707-D9CF-40AE-B4C6-C98DA3205C09}" type="datetimeFigureOut">
               <a:rPr lang="en-US" smtClean="0"/>
               <a:pPr/>
-              <a:t>7/27/2020</a:t>
+              <a:t>8/3/2020</a:t>
             </a:fld>
             <a:endParaRPr lang="en-US"/>
           </a:p>
@@ -482,7 +491,7 @@
             <a:fld id="{1D8BD707-D9CF-40AE-B4C6-C98DA3205C09}" type="datetimeFigureOut">
               <a:rPr lang="en-US" smtClean="0"/>
               <a:pPr/>
-              <a:t>7/27/2020</a:t>
+              <a:t>8/3/2020</a:t>
             </a:fld>
             <a:endParaRPr lang="en-US"/>
           </a:p>
@@ -659,7 +668,7 @@
             <a:fld id="{1D8BD707-D9CF-40AE-B4C6-C98DA3205C09}" type="datetimeFigureOut">
               <a:rPr lang="en-US" smtClean="0"/>
               <a:pPr/>
-              <a:t>7/27/2020</a:t>
+              <a:t>8/3/2020</a:t>
             </a:fld>
             <a:endParaRPr lang="en-US"/>
           </a:p>
@@ -826,7 +835,7 @@
             <a:fld id="{1D8BD707-D9CF-40AE-B4C6-C98DA3205C09}" type="datetimeFigureOut">
               <a:rPr lang="en-US" smtClean="0"/>
               <a:pPr/>
-              <a:t>7/27/2020</a:t>
+              <a:t>8/3/2020</a:t>
             </a:fld>
             <a:endParaRPr lang="en-US"/>
           </a:p>
@@ -1069,7 +1078,7 @@
             <a:fld id="{1D8BD707-D9CF-40AE-B4C6-C98DA3205C09}" type="datetimeFigureOut">
               <a:rPr lang="en-US" smtClean="0"/>
               <a:pPr/>
-              <a:t>7/27/2020</a:t>
+              <a:t>8/3/2020</a:t>
             </a:fld>
             <a:endParaRPr lang="en-US"/>
           </a:p>
@@ -1354,7 +1363,7 @@
             <a:fld id="{1D8BD707-D9CF-40AE-B4C6-C98DA3205C09}" type="datetimeFigureOut">
               <a:rPr lang="en-US" smtClean="0"/>
               <a:pPr/>
-              <a:t>7/27/2020</a:t>
+              <a:t>8/3/2020</a:t>
             </a:fld>
             <a:endParaRPr lang="en-US"/>
           </a:p>
@@ -1773,7 +1782,7 @@
             <a:fld id="{1D8BD707-D9CF-40AE-B4C6-C98DA3205C09}" type="datetimeFigureOut">
               <a:rPr lang="en-US" smtClean="0"/>
               <a:pPr/>
-              <a:t>7/27/2020</a:t>
+              <a:t>8/3/2020</a:t>
             </a:fld>
             <a:endParaRPr lang="en-US"/>
           </a:p>
@@ -1888,7 +1897,7 @@
             <a:fld id="{1D8BD707-D9CF-40AE-B4C6-C98DA3205C09}" type="datetimeFigureOut">
               <a:rPr lang="en-US" smtClean="0"/>
               <a:pPr/>
-              <a:t>7/27/2020</a:t>
+              <a:t>8/3/2020</a:t>
             </a:fld>
             <a:endParaRPr lang="en-US"/>
           </a:p>
@@ -1980,7 +1989,7 @@
             <a:fld id="{1D8BD707-D9CF-40AE-B4C6-C98DA3205C09}" type="datetimeFigureOut">
               <a:rPr lang="en-US" smtClean="0"/>
               <a:pPr/>
-              <a:t>7/27/2020</a:t>
+              <a:t>8/3/2020</a:t>
             </a:fld>
             <a:endParaRPr lang="en-US"/>
           </a:p>
@@ -2254,7 +2263,7 @@
             <a:fld id="{1D8BD707-D9CF-40AE-B4C6-C98DA3205C09}" type="datetimeFigureOut">
               <a:rPr lang="en-US" smtClean="0"/>
               <a:pPr/>
-              <a:t>7/27/2020</a:t>
+              <a:t>8/3/2020</a:t>
             </a:fld>
             <a:endParaRPr lang="en-US"/>
           </a:p>
@@ -2504,7 +2513,7 @@
             <a:fld id="{1D8BD707-D9CF-40AE-B4C6-C98DA3205C09}" type="datetimeFigureOut">
               <a:rPr lang="en-US" smtClean="0"/>
               <a:pPr/>
-              <a:t>7/27/2020</a:t>
+              <a:t>8/3/2020</a:t>
             </a:fld>
             <a:endParaRPr lang="en-US"/>
           </a:p>
@@ -2714,7 +2723,7 @@
             <a:fld id="{1D8BD707-D9CF-40AE-B4C6-C98DA3205C09}" type="datetimeFigureOut">
               <a:rPr lang="en-US" smtClean="0"/>
               <a:pPr/>
-              <a:t>7/27/2020</a:t>
+              <a:t>8/3/2020</a:t>
             </a:fld>
             <a:endParaRPr lang="en-US"/>
           </a:p>
@@ -4509,7 +4518,7 @@
           <a:p>
             <a:r>
               <a:rPr lang="en-GB" dirty="0" smtClean="0"/>
-              <a:t>Demo Luke</a:t>
+              <a:t>Lets Get Into Action</a:t>
             </a:r>
             <a:endParaRPr lang="en-US" dirty="0"/>
           </a:p>
@@ -4531,9 +4540,28 @@
           <a:lstStyle/>
           <a:p>
             <a:r>
-              <a:rPr lang="en-US" dirty="0" smtClean="0"/>
-              <a:t>Post &lt;index&gt;/_refresh</a:t>
-            </a:r>
+              <a:rPr lang="en-GB" dirty="0" smtClean="0"/>
+              <a:t>I think we are done with bulk data upload and Setup.</a:t>
+            </a:r>
+          </a:p>
+          <a:p>
+            <a:r>
+              <a:rPr lang="en-GB" dirty="0" smtClean="0"/>
+              <a:t>Now Lets try playing with </a:t>
+            </a:r>
+            <a:r>
+              <a:rPr lang="en-GB" dirty="0" err="1" smtClean="0"/>
+              <a:t>ElasticSearch</a:t>
+            </a:r>
+            <a:endParaRPr lang="en-GB" dirty="0" smtClean="0"/>
+          </a:p>
+          <a:p>
+            <a:r>
+              <a:rPr lang="en-GB" dirty="0" smtClean="0"/>
+              <a:t>AS I am from RDBMS background, I’ll try to compare Elastic search with RBDMS when ever it is possible.</a:t>
+            </a:r>
+          </a:p>
+          <a:p>
             <a:endParaRPr lang="en-US" dirty="0"/>
           </a:p>
         </p:txBody>
@@ -4580,45 +4608,254 @@
           <a:p>
             <a:r>
               <a:rPr lang="en-GB" dirty="0" smtClean="0"/>
-              <a:t>Create a New Index Add Docs</a:t>
+              <a:t>Create Index in ES</a:t>
             </a:r>
             <a:endParaRPr lang="en-US" dirty="0"/>
           </a:p>
         </p:txBody>
       </p:sp>
-      <p:sp>
-        <p:nvSpPr>
-          <p:cNvPr id="3" name="Content Placeholder 2"/>
-          <p:cNvSpPr>
-            <a:spLocks noGrp="1"/>
-          </p:cNvSpPr>
+      <p:graphicFrame>
+        <p:nvGraphicFramePr>
+          <p:cNvPr id="4" name="Content Placeholder 3"/>
+          <p:cNvGraphicFramePr>
+            <a:graphicFrameLocks noGrp="1"/>
+          </p:cNvGraphicFramePr>
           <p:nvPr>
             <p:ph idx="1"/>
           </p:nvPr>
-        </p:nvSpPr>
-        <p:spPr/>
-        <p:txBody>
-          <a:bodyPr/>
-          <a:lstStyle/>
-          <a:p>
-            <a:r>
-              <a:rPr lang="en-GB" dirty="0" smtClean="0"/>
-              <a:t>In Luke we can see that newly created index results are not shown.</a:t>
-            </a:r>
-            <a:br>
-              <a:rPr lang="en-GB" dirty="0" smtClean="0"/>
-            </a:br>
-            <a:r>
-              <a:rPr lang="en-GB" dirty="0" smtClean="0"/>
-              <a:t/>
-            </a:r>
-            <a:br>
-              <a:rPr lang="en-GB" dirty="0" smtClean="0"/>
-            </a:br>
-            <a:endParaRPr lang="en-US" dirty="0"/>
-          </a:p>
-        </p:txBody>
-      </p:sp>
+        </p:nvGraphicFramePr>
+        <p:xfrm>
+          <a:off x="228600" y="1600200"/>
+          <a:ext cx="8763000" cy="5086727"/>
+        </p:xfrm>
+        <a:graphic>
+          <a:graphicData uri="http://schemas.openxmlformats.org/drawingml/2006/table">
+            <a:tbl>
+              <a:tblPr firstRow="1" bandRow="1">
+                <a:tableStyleId>{5C22544A-7EE6-4342-B048-85BDC9FD1C3A}</a:tableStyleId>
+              </a:tblPr>
+              <a:tblGrid>
+                <a:gridCol w="4381500"/>
+                <a:gridCol w="4381500"/>
+              </a:tblGrid>
+              <a:tr h="1429127">
+                <a:tc>
+                  <a:txBody>
+                    <a:bodyPr/>
+                    <a:lstStyle/>
+                    <a:p>
+                      <a:r>
+                        <a:rPr lang="en-GB" dirty="0" smtClean="0"/>
+                        <a:t>Elastic</a:t>
+                      </a:r>
+                      <a:r>
+                        <a:rPr lang="en-GB" baseline="0" dirty="0" smtClean="0"/>
+                        <a:t> Search (Index)</a:t>
+                      </a:r>
+                      <a:endParaRPr lang="en-US" dirty="0"/>
+                    </a:p>
+                  </a:txBody>
+                  <a:tcPr/>
+                </a:tc>
+                <a:tc>
+                  <a:txBody>
+                    <a:bodyPr/>
+                    <a:lstStyle/>
+                    <a:p>
+                      <a:r>
+                        <a:rPr lang="en-GB" dirty="0" smtClean="0"/>
+                        <a:t>SQL Server(Table)</a:t>
+                      </a:r>
+                      <a:endParaRPr lang="en-US" dirty="0"/>
+                    </a:p>
+                  </a:txBody>
+                  <a:tcPr/>
+                </a:tc>
+              </a:tr>
+              <a:tr h="3523873">
+                <a:tc>
+                  <a:txBody>
+                    <a:bodyPr/>
+                    <a:lstStyle/>
+                    <a:p>
+                      <a:pPr marL="342900" indent="-342900">
+                        <a:buAutoNum type="arabicPeriod"/>
+                      </a:pPr>
+                      <a:r>
+                        <a:rPr lang="en-GB" dirty="0" err="1" smtClean="0"/>
+                        <a:t>Sharding</a:t>
+                      </a:r>
+                      <a:r>
+                        <a:rPr lang="en-GB" baseline="0" dirty="0" smtClean="0"/>
+                        <a:t> – It can be used to distribute data </a:t>
+                      </a:r>
+                      <a:r>
+                        <a:rPr lang="en-GB" b="1" baseline="0" dirty="0" smtClean="0"/>
+                        <a:t>across</a:t>
+                      </a:r>
+                      <a:r>
+                        <a:rPr lang="en-GB" baseline="0" dirty="0" smtClean="0"/>
+                        <a:t> multiple nodes in a cluster</a:t>
+                      </a:r>
+                    </a:p>
+                    <a:p>
+                      <a:pPr marL="342900" indent="-342900">
+                        <a:buAutoNum type="arabicPeriod"/>
+                      </a:pPr>
+                      <a:r>
+                        <a:rPr lang="en-GB" dirty="0" smtClean="0"/>
+                        <a:t>Replication</a:t>
+                      </a:r>
+                      <a:r>
+                        <a:rPr lang="en-GB" baseline="0" dirty="0" smtClean="0"/>
+                        <a:t> can be configured at index level</a:t>
+                      </a:r>
+                    </a:p>
+                    <a:p>
+                      <a:pPr marL="342900" indent="-342900">
+                        <a:buAutoNum type="arabicPeriod"/>
+                      </a:pPr>
+                      <a:r>
+                        <a:rPr lang="en-GB" baseline="0" dirty="0" smtClean="0"/>
+                        <a:t>So we need to specify shard details and replication details at the time of index creation or else it will take default values 1 and 1 for shards and replications</a:t>
+                      </a:r>
+                    </a:p>
+                    <a:p>
+                      <a:pPr marL="342900" indent="-342900">
+                        <a:buAutoNum type="arabicPeriod"/>
+                      </a:pPr>
+                      <a:r>
+                        <a:rPr lang="en-GB" dirty="0" smtClean="0"/>
+                        <a:t>Schema specification is not required</a:t>
+                      </a:r>
+                      <a:r>
+                        <a:rPr lang="en-GB" baseline="0" dirty="0" smtClean="0"/>
+                        <a:t> and It will automatically infers schema from 1</a:t>
+                      </a:r>
+                      <a:r>
+                        <a:rPr lang="en-GB" baseline="30000" dirty="0" smtClean="0"/>
+                        <a:t>st</a:t>
+                      </a:r>
+                      <a:r>
+                        <a:rPr lang="en-GB" baseline="0" dirty="0" smtClean="0"/>
+                        <a:t> inserted record.(They can be prevented by certain settings)</a:t>
+                      </a:r>
+                    </a:p>
+                    <a:p>
+                      <a:pPr marL="342900" indent="-342900">
+                        <a:buAutoNum type="arabicPeriod"/>
+                      </a:pPr>
+                      <a:endParaRPr lang="en-US" dirty="0"/>
+                    </a:p>
+                  </a:txBody>
+                  <a:tcPr/>
+                </a:tc>
+                <a:tc>
+                  <a:txBody>
+                    <a:bodyPr/>
+                    <a:lstStyle/>
+                    <a:p>
+                      <a:r>
+                        <a:rPr lang="en-GB" sz="1800" b="0" i="0" kern="1200" dirty="0" smtClean="0">
+                          <a:solidFill>
+                            <a:schemeClr val="dk1"/>
+                          </a:solidFill>
+                          <a:latin typeface="+mn-lt"/>
+                          <a:ea typeface="+mn-ea"/>
+                          <a:cs typeface="+mn-cs"/>
+                        </a:rPr>
+                        <a:t>1.Fully partitioning data across multiple servers isn’t something that SQL Server does out of the box</a:t>
+                      </a:r>
+                    </a:p>
+                    <a:p>
+                      <a:r>
+                        <a:rPr lang="en-GB" sz="1800" b="0" i="0" kern="1200" dirty="0" smtClean="0">
+                          <a:solidFill>
+                            <a:schemeClr val="dk1"/>
+                          </a:solidFill>
+                          <a:latin typeface="+mn-lt"/>
+                          <a:ea typeface="+mn-ea"/>
+                          <a:cs typeface="+mn-cs"/>
+                        </a:rPr>
+                        <a:t>2.</a:t>
+                      </a:r>
+                      <a:r>
+                        <a:rPr lang="en-GB" sz="1800" b="0" i="0" kern="1200" baseline="0" dirty="0" smtClean="0">
+                          <a:solidFill>
+                            <a:schemeClr val="dk1"/>
+                          </a:solidFill>
+                          <a:latin typeface="+mn-lt"/>
+                          <a:ea typeface="+mn-ea"/>
+                          <a:cs typeface="+mn-cs"/>
+                        </a:rPr>
+                        <a:t> Replication is done at DB level</a:t>
+                      </a:r>
+                    </a:p>
+                    <a:p>
+                      <a:r>
+                        <a:rPr lang="en-GB" sz="1800" b="0" i="0" kern="1200" baseline="0" dirty="0" smtClean="0">
+                          <a:solidFill>
+                            <a:schemeClr val="dk1"/>
+                          </a:solidFill>
+                          <a:latin typeface="+mn-lt"/>
+                          <a:ea typeface="+mn-ea"/>
+                          <a:cs typeface="+mn-cs"/>
+                        </a:rPr>
+                        <a:t>3.It is not required to specify shard or Replication details when creating tables</a:t>
+                      </a:r>
+                    </a:p>
+                    <a:p>
+                      <a:endParaRPr lang="en-GB" sz="1800" b="0" i="0" kern="1200" baseline="0" dirty="0" smtClean="0">
+                        <a:solidFill>
+                          <a:schemeClr val="dk1"/>
+                        </a:solidFill>
+                        <a:latin typeface="+mn-lt"/>
+                        <a:ea typeface="+mn-ea"/>
+                        <a:cs typeface="+mn-cs"/>
+                      </a:endParaRPr>
+                    </a:p>
+                    <a:p>
+                      <a:endParaRPr lang="en-GB" sz="1800" b="0" i="0" kern="1200" baseline="0" dirty="0" smtClean="0">
+                        <a:solidFill>
+                          <a:schemeClr val="dk1"/>
+                        </a:solidFill>
+                        <a:latin typeface="+mn-lt"/>
+                        <a:ea typeface="+mn-ea"/>
+                        <a:cs typeface="+mn-cs"/>
+                      </a:endParaRPr>
+                    </a:p>
+                    <a:p>
+                      <a:endParaRPr lang="en-GB" sz="1800" b="0" i="0" kern="1200" baseline="0" dirty="0" smtClean="0">
+                        <a:solidFill>
+                          <a:schemeClr val="dk1"/>
+                        </a:solidFill>
+                        <a:latin typeface="+mn-lt"/>
+                        <a:ea typeface="+mn-ea"/>
+                        <a:cs typeface="+mn-cs"/>
+                      </a:endParaRPr>
+                    </a:p>
+                    <a:p>
+                      <a:r>
+                        <a:rPr lang="en-GB" sz="1800" b="0" i="0" kern="1200" baseline="0" dirty="0" smtClean="0">
+                          <a:solidFill>
+                            <a:schemeClr val="dk1"/>
+                          </a:solidFill>
+                          <a:latin typeface="+mn-lt"/>
+                          <a:ea typeface="+mn-ea"/>
+                          <a:cs typeface="+mn-cs"/>
+                        </a:rPr>
+                        <a:t>4. Schema needs to be defined at the time of table creation</a:t>
+                      </a:r>
+                      <a:endParaRPr lang="en-US" dirty="0"/>
+                    </a:p>
+                  </a:txBody>
+                  <a:tcPr/>
+                </a:tc>
+              </a:tr>
+            </a:tbl>
+          </a:graphicData>
+        </a:graphic>
+      </p:graphicFrame>
     </p:spTree>
   </p:cSld>
   <p:clrMapOvr>
@@ -4659,7 +4896,11 @@
           <a:bodyPr/>
           <a:lstStyle/>
           <a:p>
-            <a:endParaRPr lang="en-US"/>
+            <a:r>
+              <a:rPr lang="en-GB" dirty="0" smtClean="0"/>
+              <a:t>Mapping</a:t>
+            </a:r>
+            <a:endParaRPr lang="en-US" dirty="0"/>
           </a:p>
         </p:txBody>
       </p:sp>
@@ -4675,17 +4916,281 @@
         </p:nvSpPr>
         <p:spPr/>
         <p:txBody>
-          <a:bodyPr/>
-          <a:lstStyle/>
-          <a:p>
-            <a:r>
-              <a:rPr lang="en-US" dirty="0" smtClean="0"/>
-              <a:t>Post &lt;index&gt;/_flush</a:t>
+          <a:bodyPr>
+            <a:normAutofit fontScale="32500" lnSpcReduction="20000"/>
+          </a:bodyPr>
+          <a:lstStyle/>
+          <a:p>
+            <a:r>
+              <a:rPr lang="en-US" dirty="0" smtClean="0"/>
+              <a:t>Put </a:t>
+            </a:r>
+            <a:r>
+              <a:rPr lang="en-US" dirty="0" err="1" smtClean="0"/>
+              <a:t>stackoverflow_top</a:t>
+            </a:r>
+            <a:r>
+              <a:rPr lang="en-US" dirty="0" smtClean="0"/>
+              <a:t>/</a:t>
+            </a:r>
+          </a:p>
+          <a:p>
+            <a:r>
+              <a:rPr lang="en-US" dirty="0" smtClean="0"/>
+              <a:t>{</a:t>
+            </a:r>
+          </a:p>
+          <a:p>
+            <a:r>
+              <a:rPr lang="en-US" dirty="0" smtClean="0"/>
+              <a:t>  "mappings":</a:t>
+            </a:r>
+          </a:p>
+          <a:p>
+            <a:r>
+              <a:rPr lang="en-US" dirty="0" smtClean="0"/>
+              <a:t>  {</a:t>
+            </a:r>
+          </a:p>
+          <a:p>
+            <a:r>
+              <a:rPr lang="en-US" dirty="0" smtClean="0"/>
+              <a:t>    "properties":</a:t>
+            </a:r>
+          </a:p>
+          <a:p>
+            <a:r>
+              <a:rPr lang="en-US" dirty="0" smtClean="0"/>
+              <a:t>    {</a:t>
+            </a:r>
+          </a:p>
+          <a:p>
+            <a:r>
+              <a:rPr lang="en-US" dirty="0" smtClean="0"/>
+              <a:t>      "field1":{</a:t>
+            </a:r>
+          </a:p>
+          <a:p>
+            <a:r>
+              <a:rPr lang="en-US" dirty="0" smtClean="0"/>
+              <a:t>        "type":"text",</a:t>
+            </a:r>
+          </a:p>
+          <a:p>
+            <a:r>
+              <a:rPr lang="en-US" dirty="0" smtClean="0"/>
+              <a:t>        "fields":{</a:t>
+            </a:r>
+          </a:p>
+          <a:p>
+            <a:r>
+              <a:rPr lang="en-US" dirty="0" smtClean="0"/>
+              <a:t>          "keyword":</a:t>
+            </a:r>
+          </a:p>
+          <a:p>
+            <a:r>
+              <a:rPr lang="en-US" dirty="0" smtClean="0"/>
+              <a:t>          {</a:t>
+            </a:r>
+          </a:p>
+          <a:p>
+            <a:r>
+              <a:rPr lang="en-US" dirty="0" smtClean="0"/>
+              <a:t>            "type":"keyword"</a:t>
+            </a:r>
+          </a:p>
+          <a:p>
+            <a:r>
+              <a:rPr lang="en-US" dirty="0" smtClean="0"/>
+              <a:t>          }</a:t>
+            </a:r>
+          </a:p>
+          <a:p>
+            <a:r>
+              <a:rPr lang="en-US" dirty="0" smtClean="0"/>
+              <a:t>        }</a:t>
+            </a:r>
+          </a:p>
+          <a:p>
+            <a:r>
+              <a:rPr lang="en-US" dirty="0" smtClean="0"/>
+              <a:t>      },</a:t>
+            </a:r>
+          </a:p>
+          <a:p>
+            <a:r>
+              <a:rPr lang="en-US" dirty="0" smtClean="0"/>
+              <a:t>      "field2":{</a:t>
+            </a:r>
+          </a:p>
+          <a:p>
+            <a:r>
+              <a:rPr lang="en-US" dirty="0" smtClean="0"/>
+              <a:t>        "type":"integer"</a:t>
+            </a:r>
+          </a:p>
+          <a:p>
+            <a:r>
+              <a:rPr lang="en-US" dirty="0" smtClean="0"/>
+              <a:t>      },</a:t>
+            </a:r>
+          </a:p>
+          <a:p>
+            <a:r>
+              <a:rPr lang="en-US" dirty="0" smtClean="0"/>
+              <a:t>      "field3":</a:t>
+            </a:r>
+          </a:p>
+          <a:p>
+            <a:r>
+              <a:rPr lang="en-US" dirty="0" smtClean="0"/>
+              <a:t>      {</a:t>
+            </a:r>
+          </a:p>
+          <a:p>
+            <a:r>
+              <a:rPr lang="en-US" dirty="0" smtClean="0"/>
+              <a:t>        "type":"float",</a:t>
+            </a:r>
+          </a:p>
+          <a:p>
+            <a:r>
+              <a:rPr lang="en-US" dirty="0" smtClean="0"/>
+              <a:t>        "index":false</a:t>
+            </a:r>
+          </a:p>
+          <a:p>
+            <a:r>
+              <a:rPr lang="en-US" dirty="0" smtClean="0"/>
+              <a:t>      }</a:t>
+            </a:r>
+          </a:p>
+          <a:p>
+            <a:r>
+              <a:rPr lang="en-US" dirty="0" smtClean="0"/>
+              <a:t>    }</a:t>
+            </a:r>
+          </a:p>
+          <a:p>
+            <a:r>
+              <a:rPr lang="en-US" dirty="0" smtClean="0"/>
+              <a:t>  }</a:t>
+            </a:r>
+          </a:p>
+          <a:p>
+            <a:r>
+              <a:rPr lang="en-US" dirty="0" smtClean="0"/>
+              <a:t>}</a:t>
+            </a:r>
+            <a:endParaRPr lang="en-US" dirty="0"/>
+          </a:p>
+        </p:txBody>
+      </p:sp>
+    </p:spTree>
+  </p:cSld>
+  <p:clrMapOvr>
+    <a:masterClrMapping/>
+  </p:clrMapOvr>
+</p:sld>
+</file>
+
+<file path=ppt/slides/slide28.xml><?xml version="1.0" encoding="utf-8"?>
+<p:sld xmlns:a="http://schemas.openxmlformats.org/drawingml/2006/main" xmlns:r="http://schemas.openxmlformats.org/officeDocument/2006/relationships" xmlns:p="http://schemas.openxmlformats.org/presentationml/2006/main">
+  <p:cSld>
+    <p:spTree>
+      <p:nvGrpSpPr>
+        <p:cNvPr id="1" name=""/>
+        <p:cNvGrpSpPr/>
+        <p:nvPr/>
+      </p:nvGrpSpPr>
+      <p:grpSpPr>
+        <a:xfrm>
+          <a:off x="0" y="0"/>
+          <a:ext cx="0" cy="0"/>
+          <a:chOff x="0" y="0"/>
+          <a:chExt cx="0" cy="0"/>
+        </a:xfrm>
+      </p:grpSpPr>
+      <p:sp>
+        <p:nvSpPr>
+          <p:cNvPr id="2" name="Title 1"/>
+          <p:cNvSpPr>
+            <a:spLocks noGrp="1"/>
+          </p:cNvSpPr>
+          <p:nvPr>
+            <p:ph type="title"/>
+          </p:nvPr>
+        </p:nvSpPr>
+        <p:spPr/>
+        <p:txBody>
+          <a:bodyPr/>
+          <a:lstStyle/>
+          <a:p>
+            <a:r>
+              <a:rPr lang="en-GB" dirty="0" err="1" smtClean="0"/>
+              <a:t>Datatypes</a:t>
+            </a:r>
+            <a:endParaRPr lang="en-US" dirty="0"/>
+          </a:p>
+        </p:txBody>
+      </p:sp>
+      <p:sp>
+        <p:nvSpPr>
+          <p:cNvPr id="3" name="Content Placeholder 2"/>
+          <p:cNvSpPr>
+            <a:spLocks noGrp="1"/>
+          </p:cNvSpPr>
+          <p:nvPr>
+            <p:ph idx="1"/>
+          </p:nvPr>
+        </p:nvSpPr>
+        <p:spPr/>
+        <p:txBody>
+          <a:bodyPr>
+            <a:normAutofit fontScale="55000" lnSpcReduction="20000"/>
+          </a:bodyPr>
+          <a:lstStyle/>
+          <a:p>
+            <a:r>
+              <a:rPr lang="en-US" b="1" dirty="0" smtClean="0">
+                <a:hlinkClick r:id="rId2" tooltip="Text data type"/>
+              </a:rPr>
+              <a:t>S</a:t>
+            </a:r>
+            <a:r>
+              <a:rPr lang="en-US" b="1" dirty="0" smtClean="0"/>
+              <a:t>tring</a:t>
             </a:r>
             <a:br>
-              <a:rPr lang="en-US" dirty="0" smtClean="0"/>
+              <a:rPr lang="en-US" b="1" dirty="0" smtClean="0"/>
             </a:br>
             <a:r>
+              <a:rPr lang="en-US" dirty="0" smtClean="0">
+                <a:hlinkClick r:id="rId2" tooltip="Text data type"/>
+              </a:rPr>
+              <a:t>text</a:t>
+            </a:r>
+            <a:r>
+              <a:rPr lang="en-US" dirty="0" smtClean="0"/>
+              <a:t> and </a:t>
+            </a:r>
+            <a:r>
+              <a:rPr lang="en-US" dirty="0" smtClean="0">
+                <a:hlinkClick r:id="rId3" tooltip="Keyword data type"/>
+              </a:rPr>
+              <a:t>keyword</a:t>
+            </a:r>
+            <a:endParaRPr lang="en-US" dirty="0" smtClean="0"/>
+          </a:p>
+          <a:p>
+            <a:r>
+              <a:rPr lang="en-US" dirty="0" smtClean="0">
+                <a:hlinkClick r:id="rId4" tooltip="Numeric data types"/>
+              </a:rPr>
+              <a:t>Numeric</a:t>
+            </a:r>
+            <a:r>
               <a:rPr lang="en-US" dirty="0" smtClean="0"/>
               <a:t/>
             </a:r>
@@ -4694,7 +5199,351 @@
             </a:br>
             <a:r>
               <a:rPr lang="en-US" dirty="0" smtClean="0"/>
-              <a:t>Now check Luke</a:t>
+              <a:t>long, integer, short, byte, double, float, </a:t>
+            </a:r>
+            <a:r>
+              <a:rPr lang="en-US" dirty="0" err="1" smtClean="0"/>
+              <a:t>half_float</a:t>
+            </a:r>
+            <a:r>
+              <a:rPr lang="en-US" dirty="0" smtClean="0"/>
+              <a:t>, </a:t>
+            </a:r>
+            <a:r>
+              <a:rPr lang="en-US" dirty="0" err="1" smtClean="0"/>
+              <a:t>scaled_float</a:t>
+            </a:r>
+            <a:endParaRPr lang="en-US" dirty="0" smtClean="0"/>
+          </a:p>
+          <a:p>
+            <a:r>
+              <a:rPr lang="en-US" dirty="0" smtClean="0">
+                <a:hlinkClick r:id="rId5" tooltip="Date data type"/>
+              </a:rPr>
+              <a:t>Date</a:t>
+            </a:r>
+            <a:endParaRPr lang="en-US" dirty="0" smtClean="0"/>
+          </a:p>
+          <a:p>
+            <a:pPr>
+              <a:buNone/>
+            </a:pPr>
+            <a:r>
+              <a:rPr lang="en-US" dirty="0" smtClean="0"/>
+              <a:t>     date</a:t>
+            </a:r>
+          </a:p>
+          <a:p>
+            <a:r>
+              <a:rPr lang="en-US" dirty="0" smtClean="0">
+                <a:hlinkClick r:id="rId6" tooltip="Boolean data type"/>
+              </a:rPr>
+              <a:t>Boolean</a:t>
+            </a:r>
+            <a:r>
+              <a:rPr lang="en-US" dirty="0" smtClean="0"/>
+              <a:t/>
+            </a:r>
+            <a:br>
+              <a:rPr lang="en-US" dirty="0" smtClean="0"/>
+            </a:br>
+            <a:r>
+              <a:rPr lang="en-US" dirty="0" err="1" smtClean="0"/>
+              <a:t>boolean</a:t>
+            </a:r>
+            <a:endParaRPr lang="en-US" dirty="0" smtClean="0"/>
+          </a:p>
+          <a:p>
+            <a:r>
+              <a:rPr lang="en-US" dirty="0" smtClean="0">
+                <a:hlinkClick r:id="rId7" tooltip="Binary data type"/>
+              </a:rPr>
+              <a:t>Binary</a:t>
+            </a:r>
+            <a:r>
+              <a:rPr lang="en-US" dirty="0" smtClean="0"/>
+              <a:t/>
+            </a:r>
+            <a:br>
+              <a:rPr lang="en-US" dirty="0" smtClean="0"/>
+            </a:br>
+            <a:r>
+              <a:rPr lang="en-US" dirty="0" smtClean="0"/>
+              <a:t>binary</a:t>
+            </a:r>
+          </a:p>
+          <a:p>
+            <a:r>
+              <a:rPr lang="en-US" dirty="0" smtClean="0">
+                <a:hlinkClick r:id="rId8" tooltip="Range data types"/>
+              </a:rPr>
+              <a:t>Range</a:t>
+            </a:r>
+            <a:r>
+              <a:rPr lang="en-US" dirty="0" smtClean="0"/>
+              <a:t/>
+            </a:r>
+            <a:br>
+              <a:rPr lang="en-US" dirty="0" smtClean="0"/>
+            </a:br>
+            <a:r>
+              <a:rPr lang="en-US" dirty="0" err="1" smtClean="0"/>
+              <a:t>integer_range</a:t>
+            </a:r>
+            <a:r>
+              <a:rPr lang="en-US" dirty="0" smtClean="0"/>
+              <a:t>, </a:t>
+            </a:r>
+            <a:r>
+              <a:rPr lang="en-US" dirty="0" err="1" smtClean="0"/>
+              <a:t>float_range</a:t>
+            </a:r>
+            <a:r>
+              <a:rPr lang="en-US" dirty="0" smtClean="0"/>
+              <a:t>, </a:t>
+            </a:r>
+            <a:r>
+              <a:rPr lang="en-US" dirty="0" err="1" smtClean="0"/>
+              <a:t>long_range</a:t>
+            </a:r>
+            <a:r>
+              <a:rPr lang="en-US" dirty="0" smtClean="0"/>
+              <a:t>, </a:t>
+            </a:r>
+            <a:r>
+              <a:rPr lang="en-US" dirty="0" err="1" smtClean="0"/>
+              <a:t>double_range</a:t>
+            </a:r>
+            <a:r>
+              <a:rPr lang="en-US" dirty="0" smtClean="0"/>
+              <a:t>, </a:t>
+            </a:r>
+            <a:r>
+              <a:rPr lang="en-US" dirty="0" err="1" smtClean="0"/>
+              <a:t>date_range</a:t>
+            </a:r>
+            <a:r>
+              <a:rPr lang="en-US" dirty="0" smtClean="0"/>
+              <a:t>, </a:t>
+            </a:r>
+            <a:r>
+              <a:rPr lang="en-US" dirty="0" err="1" smtClean="0"/>
+              <a:t>ip_range</a:t>
+            </a:r>
+            <a:endParaRPr lang="en-US" dirty="0" smtClean="0"/>
+          </a:p>
+          <a:p>
+            <a:r>
+              <a:rPr lang="en-GB" dirty="0" smtClean="0">
+                <a:hlinkClick r:id="rId9" tooltip="Object data type"/>
+              </a:rPr>
+              <a:t>Object</a:t>
+            </a:r>
+            <a:r>
+              <a:rPr lang="en-GB" dirty="0" smtClean="0"/>
+              <a:t/>
+            </a:r>
+            <a:br>
+              <a:rPr lang="en-GB" dirty="0" smtClean="0"/>
+            </a:br>
+            <a:r>
+              <a:rPr lang="en-GB" dirty="0" smtClean="0"/>
+              <a:t>object for single JSON objects</a:t>
+            </a:r>
+          </a:p>
+          <a:p>
+            <a:r>
+              <a:rPr lang="en-GB" dirty="0" smtClean="0">
+                <a:hlinkClick r:id="rId10" tooltip="Nested data type"/>
+              </a:rPr>
+              <a:t>Nested</a:t>
+            </a:r>
+            <a:endParaRPr lang="en-GB" dirty="0" smtClean="0"/>
+          </a:p>
+          <a:p>
+            <a:pPr>
+              <a:buNone/>
+            </a:pPr>
+            <a:r>
+              <a:rPr lang="en-GB" dirty="0" smtClean="0"/>
+              <a:t>	nested for arrays of JSON objects</a:t>
+            </a:r>
+            <a:endParaRPr lang="en-US" dirty="0"/>
+          </a:p>
+        </p:txBody>
+      </p:sp>
+    </p:spTree>
+  </p:cSld>
+  <p:clrMapOvr>
+    <a:masterClrMapping/>
+  </p:clrMapOvr>
+</p:sld>
+</file>
+
+<file path=ppt/slides/slide29.xml><?xml version="1.0" encoding="utf-8"?>
+<p:sld xmlns:a="http://schemas.openxmlformats.org/drawingml/2006/main" xmlns:r="http://schemas.openxmlformats.org/officeDocument/2006/relationships" xmlns:p="http://schemas.openxmlformats.org/presentationml/2006/main">
+  <p:cSld>
+    <p:spTree>
+      <p:nvGrpSpPr>
+        <p:cNvPr id="1" name=""/>
+        <p:cNvGrpSpPr/>
+        <p:nvPr/>
+      </p:nvGrpSpPr>
+      <p:grpSpPr>
+        <a:xfrm>
+          <a:off x="0" y="0"/>
+          <a:ext cx="0" cy="0"/>
+          <a:chOff x="0" y="0"/>
+          <a:chExt cx="0" cy="0"/>
+        </a:xfrm>
+      </p:grpSpPr>
+      <p:sp>
+        <p:nvSpPr>
+          <p:cNvPr id="2" name="Title 1"/>
+          <p:cNvSpPr>
+            <a:spLocks noGrp="1"/>
+          </p:cNvSpPr>
+          <p:nvPr>
+            <p:ph type="title"/>
+          </p:nvPr>
+        </p:nvSpPr>
+        <p:spPr/>
+        <p:txBody>
+          <a:bodyPr/>
+          <a:lstStyle/>
+          <a:p>
+            <a:r>
+              <a:rPr lang="en-GB" dirty="0" smtClean="0"/>
+              <a:t>Update Mappings</a:t>
+            </a:r>
+            <a:endParaRPr lang="en-US" dirty="0"/>
+          </a:p>
+        </p:txBody>
+      </p:sp>
+      <p:sp>
+        <p:nvSpPr>
+          <p:cNvPr id="3" name="Content Placeholder 2"/>
+          <p:cNvSpPr>
+            <a:spLocks noGrp="1"/>
+          </p:cNvSpPr>
+          <p:nvPr>
+            <p:ph idx="1"/>
+          </p:nvPr>
+        </p:nvSpPr>
+        <p:spPr/>
+        <p:txBody>
+          <a:bodyPr>
+            <a:normAutofit fontScale="47500" lnSpcReduction="20000"/>
+          </a:bodyPr>
+          <a:lstStyle/>
+          <a:p>
+            <a:r>
+              <a:rPr lang="en-US" dirty="0" smtClean="0"/>
+              <a:t>Put </a:t>
+            </a:r>
+            <a:r>
+              <a:rPr lang="en-US" dirty="0" err="1" smtClean="0"/>
+              <a:t>stackoverflow_top</a:t>
+            </a:r>
+            <a:r>
+              <a:rPr lang="en-US" dirty="0" smtClean="0"/>
+              <a:t>/_mappings</a:t>
+            </a:r>
+          </a:p>
+          <a:p>
+            <a:r>
+              <a:rPr lang="en-US" dirty="0" smtClean="0"/>
+              <a:t>{</a:t>
+            </a:r>
+          </a:p>
+          <a:p>
+            <a:r>
+              <a:rPr lang="en-US" dirty="0" smtClean="0"/>
+              <a:t>    "properties":</a:t>
+            </a:r>
+          </a:p>
+          <a:p>
+            <a:r>
+              <a:rPr lang="en-US" dirty="0" smtClean="0"/>
+              <a:t>    {</a:t>
+            </a:r>
+          </a:p>
+          <a:p>
+            <a:r>
+              <a:rPr lang="en-US" dirty="0" smtClean="0"/>
+              <a:t>      "parentfield4":</a:t>
+            </a:r>
+          </a:p>
+          <a:p>
+            <a:r>
+              <a:rPr lang="en-US" dirty="0" smtClean="0"/>
+              <a:t>      {</a:t>
+            </a:r>
+          </a:p>
+          <a:p>
+            <a:r>
+              <a:rPr lang="en-US" dirty="0" smtClean="0"/>
+              <a:t>        "type":"nested",</a:t>
+            </a:r>
+          </a:p>
+          <a:p>
+            <a:r>
+              <a:rPr lang="en-US" dirty="0" smtClean="0"/>
+              <a:t>          "properties":</a:t>
+            </a:r>
+          </a:p>
+          <a:p>
+            <a:r>
+              <a:rPr lang="en-US" dirty="0" smtClean="0"/>
+              <a:t>          {</a:t>
+            </a:r>
+          </a:p>
+          <a:p>
+            <a:r>
+              <a:rPr lang="en-US" dirty="0" smtClean="0"/>
+              <a:t>            "nestedfield4_1":</a:t>
+            </a:r>
+          </a:p>
+          <a:p>
+            <a:r>
+              <a:rPr lang="en-US" dirty="0" smtClean="0"/>
+              <a:t>            {</a:t>
+            </a:r>
+          </a:p>
+          <a:p>
+            <a:r>
+              <a:rPr lang="en-US" dirty="0" smtClean="0"/>
+              <a:t>              "type":"text"</a:t>
+            </a:r>
+          </a:p>
+          <a:p>
+            <a:r>
+              <a:rPr lang="en-US" dirty="0" smtClean="0"/>
+              <a:t>            }</a:t>
+            </a:r>
+          </a:p>
+          <a:p>
+            <a:r>
+              <a:rPr lang="en-US" dirty="0" smtClean="0"/>
+              <a:t>          }</a:t>
+            </a:r>
+          </a:p>
+          <a:p>
+            <a:r>
+              <a:rPr lang="en-US" dirty="0" smtClean="0"/>
+              <a:t>      }</a:t>
+            </a:r>
+          </a:p>
+          <a:p>
+            <a:r>
+              <a:rPr lang="en-US" dirty="0" smtClean="0"/>
+              <a:t>    }</a:t>
+            </a:r>
+          </a:p>
+          <a:p>
+            <a:r>
+              <a:rPr lang="en-US" dirty="0" smtClean="0"/>
+              <a:t>}</a:t>
             </a:r>
             <a:endParaRPr lang="en-US" dirty="0"/>
           </a:p>
@@ -4771,6 +5620,956 @@
           </a:xfrm>
         </p:spPr>
       </p:pic>
+    </p:spTree>
+  </p:cSld>
+  <p:clrMapOvr>
+    <a:masterClrMapping/>
+  </p:clrMapOvr>
+  <p:timing>
+    <p:tnLst>
+      <p:par>
+        <p:cTn id="1" dur="indefinite" restart="never" nodeType="tmRoot"/>
+      </p:par>
+    </p:tnLst>
+  </p:timing>
+</p:sld>
+</file>
+
+<file path=ppt/slides/slide30.xml><?xml version="1.0" encoding="utf-8"?>
+<p:sld xmlns:a="http://schemas.openxmlformats.org/drawingml/2006/main" xmlns:r="http://schemas.openxmlformats.org/officeDocument/2006/relationships" xmlns:p="http://schemas.openxmlformats.org/presentationml/2006/main">
+  <p:cSld>
+    <p:spTree>
+      <p:nvGrpSpPr>
+        <p:cNvPr id="1" name=""/>
+        <p:cNvGrpSpPr/>
+        <p:nvPr/>
+      </p:nvGrpSpPr>
+      <p:grpSpPr>
+        <a:xfrm>
+          <a:off x="0" y="0"/>
+          <a:ext cx="0" cy="0"/>
+          <a:chOff x="0" y="0"/>
+          <a:chExt cx="0" cy="0"/>
+        </a:xfrm>
+      </p:grpSpPr>
+      <p:sp>
+        <p:nvSpPr>
+          <p:cNvPr id="2" name="Title 1"/>
+          <p:cNvSpPr>
+            <a:spLocks noGrp="1"/>
+          </p:cNvSpPr>
+          <p:nvPr>
+            <p:ph type="title"/>
+          </p:nvPr>
+        </p:nvSpPr>
+        <p:spPr/>
+        <p:txBody>
+          <a:bodyPr/>
+          <a:lstStyle/>
+          <a:p>
+            <a:r>
+              <a:rPr lang="en-GB" dirty="0" smtClean="0"/>
+              <a:t>Adding Array Mapping</a:t>
+            </a:r>
+            <a:endParaRPr lang="en-US" dirty="0"/>
+          </a:p>
+        </p:txBody>
+      </p:sp>
+      <p:sp>
+        <p:nvSpPr>
+          <p:cNvPr id="3" name="Content Placeholder 2"/>
+          <p:cNvSpPr>
+            <a:spLocks noGrp="1"/>
+          </p:cNvSpPr>
+          <p:nvPr>
+            <p:ph idx="1"/>
+          </p:nvPr>
+        </p:nvSpPr>
+        <p:spPr/>
+        <p:txBody>
+          <a:bodyPr>
+            <a:normAutofit fontScale="70000" lnSpcReduction="20000"/>
+          </a:bodyPr>
+          <a:lstStyle/>
+          <a:p>
+            <a:r>
+              <a:rPr lang="en-US" dirty="0" smtClean="0"/>
+              <a:t>Put </a:t>
+            </a:r>
+            <a:r>
+              <a:rPr lang="en-US" dirty="0" err="1" smtClean="0"/>
+              <a:t>stackoverflow_top</a:t>
+            </a:r>
+            <a:r>
+              <a:rPr lang="en-US" dirty="0" smtClean="0"/>
+              <a:t>/_mappings</a:t>
+            </a:r>
+          </a:p>
+          <a:p>
+            <a:r>
+              <a:rPr lang="en-US" dirty="0" smtClean="0"/>
+              <a:t>{</a:t>
+            </a:r>
+          </a:p>
+          <a:p>
+            <a:r>
+              <a:rPr lang="en-US" dirty="0" smtClean="0"/>
+              <a:t>  "properties": {</a:t>
+            </a:r>
+          </a:p>
+          <a:p>
+            <a:r>
+              <a:rPr lang="en-US" dirty="0" smtClean="0"/>
+              <a:t>    "parentfield5_array": {</a:t>
+            </a:r>
+          </a:p>
+          <a:p>
+            <a:r>
+              <a:rPr lang="en-US" dirty="0" smtClean="0"/>
+              <a:t>      "properties": {</a:t>
+            </a:r>
+          </a:p>
+          <a:p>
+            <a:r>
+              <a:rPr lang="en-US" dirty="0" smtClean="0"/>
+              <a:t>        "nestedfield5_1": {</a:t>
+            </a:r>
+          </a:p>
+          <a:p>
+            <a:r>
+              <a:rPr lang="en-US" dirty="0" smtClean="0"/>
+              <a:t>          "type": "text"</a:t>
+            </a:r>
+          </a:p>
+          <a:p>
+            <a:r>
+              <a:rPr lang="en-US" dirty="0" smtClean="0"/>
+              <a:t>        }</a:t>
+            </a:r>
+          </a:p>
+          <a:p>
+            <a:r>
+              <a:rPr lang="en-US" dirty="0" smtClean="0"/>
+              <a:t>      }</a:t>
+            </a:r>
+          </a:p>
+          <a:p>
+            <a:r>
+              <a:rPr lang="en-US" dirty="0" smtClean="0"/>
+              <a:t>    }</a:t>
+            </a:r>
+          </a:p>
+          <a:p>
+            <a:r>
+              <a:rPr lang="en-US" dirty="0" smtClean="0"/>
+              <a:t>  }</a:t>
+            </a:r>
+          </a:p>
+          <a:p>
+            <a:r>
+              <a:rPr lang="en-US" dirty="0" smtClean="0"/>
+              <a:t>}</a:t>
+            </a:r>
+            <a:endParaRPr lang="en-US" dirty="0"/>
+          </a:p>
+        </p:txBody>
+      </p:sp>
+    </p:spTree>
+  </p:cSld>
+  <p:clrMapOvr>
+    <a:masterClrMapping/>
+  </p:clrMapOvr>
+</p:sld>
+</file>
+
+<file path=ppt/slides/slide31.xml><?xml version="1.0" encoding="utf-8"?>
+<p:sld xmlns:a="http://schemas.openxmlformats.org/drawingml/2006/main" xmlns:r="http://schemas.openxmlformats.org/officeDocument/2006/relationships" xmlns:p="http://schemas.openxmlformats.org/presentationml/2006/main">
+  <p:cSld>
+    <p:spTree>
+      <p:nvGrpSpPr>
+        <p:cNvPr id="1" name=""/>
+        <p:cNvGrpSpPr/>
+        <p:nvPr/>
+      </p:nvGrpSpPr>
+      <p:grpSpPr>
+        <a:xfrm>
+          <a:off x="0" y="0"/>
+          <a:ext cx="0" cy="0"/>
+          <a:chOff x="0" y="0"/>
+          <a:chExt cx="0" cy="0"/>
+        </a:xfrm>
+      </p:grpSpPr>
+      <p:sp>
+        <p:nvSpPr>
+          <p:cNvPr id="2" name="Title 1"/>
+          <p:cNvSpPr>
+            <a:spLocks noGrp="1"/>
+          </p:cNvSpPr>
+          <p:nvPr>
+            <p:ph type="title"/>
+          </p:nvPr>
+        </p:nvSpPr>
+        <p:spPr/>
+        <p:txBody>
+          <a:bodyPr/>
+          <a:lstStyle/>
+          <a:p>
+            <a:r>
+              <a:rPr lang="en-GB" dirty="0" smtClean="0"/>
+              <a:t>Why Nested Docs?</a:t>
+            </a:r>
+            <a:endParaRPr lang="en-US" dirty="0"/>
+          </a:p>
+        </p:txBody>
+      </p:sp>
+      <p:sp>
+        <p:nvSpPr>
+          <p:cNvPr id="3" name="Content Placeholder 2"/>
+          <p:cNvSpPr>
+            <a:spLocks noGrp="1"/>
+          </p:cNvSpPr>
+          <p:nvPr>
+            <p:ph idx="1"/>
+          </p:nvPr>
+        </p:nvSpPr>
+        <p:spPr/>
+        <p:txBody>
+          <a:bodyPr/>
+          <a:lstStyle/>
+          <a:p>
+            <a:r>
+              <a:rPr lang="en-GB" dirty="0" smtClean="0"/>
+              <a:t>PUT my-index-000001/_doc/1 { "group" : "fans", "user" : [ { "first" : "John", "last" : "Smith" }, { "first" : "Alice", "last" : "White" } ] }</a:t>
+            </a:r>
+            <a:endParaRPr lang="en-US" dirty="0" smtClean="0"/>
+          </a:p>
+          <a:p>
+            <a:endParaRPr lang="en-US" dirty="0"/>
+          </a:p>
+        </p:txBody>
+      </p:sp>
+    </p:spTree>
+  </p:cSld>
+  <p:clrMapOvr>
+    <a:masterClrMapping/>
+  </p:clrMapOvr>
+</p:sld>
+</file>
+
+<file path=ppt/slides/slide32.xml><?xml version="1.0" encoding="utf-8"?>
+<p:sld xmlns:a="http://schemas.openxmlformats.org/drawingml/2006/main" xmlns:r="http://schemas.openxmlformats.org/officeDocument/2006/relationships" xmlns:p="http://schemas.openxmlformats.org/presentationml/2006/main">
+  <p:cSld>
+    <p:spTree>
+      <p:nvGrpSpPr>
+        <p:cNvPr id="1" name=""/>
+        <p:cNvGrpSpPr/>
+        <p:nvPr/>
+      </p:nvGrpSpPr>
+      <p:grpSpPr>
+        <a:xfrm>
+          <a:off x="0" y="0"/>
+          <a:ext cx="0" cy="0"/>
+          <a:chOff x="0" y="0"/>
+          <a:chExt cx="0" cy="0"/>
+        </a:xfrm>
+      </p:grpSpPr>
+      <p:sp>
+        <p:nvSpPr>
+          <p:cNvPr id="2" name="Title 1"/>
+          <p:cNvSpPr>
+            <a:spLocks noGrp="1"/>
+          </p:cNvSpPr>
+          <p:nvPr>
+            <p:ph type="title"/>
+          </p:nvPr>
+        </p:nvSpPr>
+        <p:spPr/>
+        <p:txBody>
+          <a:bodyPr/>
+          <a:lstStyle/>
+          <a:p>
+            <a:r>
+              <a:rPr lang="en-GB" dirty="0" smtClean="0"/>
+              <a:t>Fields in Mapping</a:t>
+            </a:r>
+            <a:endParaRPr lang="en-US" dirty="0"/>
+          </a:p>
+        </p:txBody>
+      </p:sp>
+      <p:sp>
+        <p:nvSpPr>
+          <p:cNvPr id="3" name="Content Placeholder 2"/>
+          <p:cNvSpPr>
+            <a:spLocks noGrp="1"/>
+          </p:cNvSpPr>
+          <p:nvPr>
+            <p:ph idx="1"/>
+          </p:nvPr>
+        </p:nvSpPr>
+        <p:spPr/>
+        <p:txBody>
+          <a:bodyPr>
+            <a:normAutofit fontScale="32500" lnSpcReduction="20000"/>
+          </a:bodyPr>
+          <a:lstStyle/>
+          <a:p>
+            <a:r>
+              <a:rPr lang="en-US" dirty="0" smtClean="0"/>
+              <a:t>Put </a:t>
+            </a:r>
+            <a:r>
+              <a:rPr lang="en-US" dirty="0" err="1" smtClean="0"/>
+              <a:t>stackoverflow_top</a:t>
+            </a:r>
+            <a:endParaRPr lang="en-US" dirty="0" smtClean="0"/>
+          </a:p>
+          <a:p>
+            <a:r>
+              <a:rPr lang="en-US" dirty="0" smtClean="0"/>
+              <a:t>{</a:t>
+            </a:r>
+          </a:p>
+          <a:p>
+            <a:r>
+              <a:rPr lang="en-US" dirty="0" smtClean="0"/>
+              <a:t>  "mappings":</a:t>
+            </a:r>
+          </a:p>
+          <a:p>
+            <a:r>
+              <a:rPr lang="en-US" dirty="0" smtClean="0"/>
+              <a:t>  {</a:t>
+            </a:r>
+          </a:p>
+          <a:p>
+            <a:r>
+              <a:rPr lang="en-US" dirty="0" smtClean="0"/>
+              <a:t>    "properties":</a:t>
+            </a:r>
+          </a:p>
+          <a:p>
+            <a:r>
+              <a:rPr lang="en-US" dirty="0" smtClean="0"/>
+              <a:t>    {</a:t>
+            </a:r>
+          </a:p>
+          <a:p>
+            <a:r>
+              <a:rPr lang="en-US" dirty="0" smtClean="0"/>
+              <a:t>      "field1":</a:t>
+            </a:r>
+          </a:p>
+          <a:p>
+            <a:r>
+              <a:rPr lang="en-US" dirty="0" smtClean="0"/>
+              <a:t>      {</a:t>
+            </a:r>
+          </a:p>
+          <a:p>
+            <a:r>
+              <a:rPr lang="en-US" dirty="0" smtClean="0"/>
+              <a:t>        "type":"text",</a:t>
+            </a:r>
+          </a:p>
+          <a:p>
+            <a:r>
+              <a:rPr lang="en-US" dirty="0" smtClean="0"/>
+              <a:t>        "fields":</a:t>
+            </a:r>
+          </a:p>
+          <a:p>
+            <a:r>
+              <a:rPr lang="en-US" dirty="0" smtClean="0"/>
+              <a:t>        {</a:t>
+            </a:r>
+          </a:p>
+          <a:p>
+            <a:r>
+              <a:rPr lang="en-US" dirty="0" smtClean="0"/>
+              <a:t>          "raw":</a:t>
+            </a:r>
+          </a:p>
+          <a:p>
+            <a:r>
+              <a:rPr lang="en-US" dirty="0" smtClean="0"/>
+              <a:t>          {</a:t>
+            </a:r>
+          </a:p>
+          <a:p>
+            <a:r>
+              <a:rPr lang="en-US" dirty="0" smtClean="0"/>
+              <a:t>            "type":"keyword"</a:t>
+            </a:r>
+          </a:p>
+          <a:p>
+            <a:r>
+              <a:rPr lang="en-US" dirty="0" smtClean="0"/>
+              <a:t>          },</a:t>
+            </a:r>
+          </a:p>
+          <a:p>
+            <a:r>
+              <a:rPr lang="en-US" dirty="0" smtClean="0"/>
+              <a:t>          "whitespace":</a:t>
+            </a:r>
+          </a:p>
+          <a:p>
+            <a:r>
+              <a:rPr lang="en-US" dirty="0" smtClean="0"/>
+              <a:t>          {</a:t>
+            </a:r>
+          </a:p>
+          <a:p>
+            <a:r>
+              <a:rPr lang="en-US" dirty="0" smtClean="0"/>
+              <a:t>            "type":"text",</a:t>
+            </a:r>
+          </a:p>
+          <a:p>
+            <a:r>
+              <a:rPr lang="en-US" dirty="0" smtClean="0"/>
+              <a:t>            "analyzer":"whitespace"</a:t>
+            </a:r>
+          </a:p>
+          <a:p>
+            <a:r>
+              <a:rPr lang="en-US" dirty="0" smtClean="0"/>
+              <a:t>          }</a:t>
+            </a:r>
+          </a:p>
+          <a:p>
+            <a:r>
+              <a:rPr lang="en-US" dirty="0" smtClean="0"/>
+              <a:t>        }</a:t>
+            </a:r>
+          </a:p>
+          <a:p>
+            <a:r>
+              <a:rPr lang="en-US" dirty="0" smtClean="0"/>
+              <a:t>      }</a:t>
+            </a:r>
+          </a:p>
+          <a:p>
+            <a:r>
+              <a:rPr lang="en-US" dirty="0" smtClean="0"/>
+              <a:t>    }</a:t>
+            </a:r>
+          </a:p>
+          <a:p>
+            <a:r>
+              <a:rPr lang="en-US" dirty="0" smtClean="0"/>
+              <a:t>  }</a:t>
+            </a:r>
+          </a:p>
+          <a:p>
+            <a:r>
+              <a:rPr lang="en-US" dirty="0" smtClean="0"/>
+              <a:t>}</a:t>
+            </a:r>
+            <a:endParaRPr lang="en-US" dirty="0"/>
+          </a:p>
+        </p:txBody>
+      </p:sp>
+    </p:spTree>
+  </p:cSld>
+  <p:clrMapOvr>
+    <a:masterClrMapping/>
+  </p:clrMapOvr>
+</p:sld>
+</file>
+
+<file path=ppt/slides/slide33.xml><?xml version="1.0" encoding="utf-8"?>
+<p:sld xmlns:a="http://schemas.openxmlformats.org/drawingml/2006/main" xmlns:r="http://schemas.openxmlformats.org/officeDocument/2006/relationships" xmlns:p="http://schemas.openxmlformats.org/presentationml/2006/main">
+  <p:cSld>
+    <p:spTree>
+      <p:nvGrpSpPr>
+        <p:cNvPr id="1" name=""/>
+        <p:cNvGrpSpPr/>
+        <p:nvPr/>
+      </p:nvGrpSpPr>
+      <p:grpSpPr>
+        <a:xfrm>
+          <a:off x="0" y="0"/>
+          <a:ext cx="0" cy="0"/>
+          <a:chOff x="0" y="0"/>
+          <a:chExt cx="0" cy="0"/>
+        </a:xfrm>
+      </p:grpSpPr>
+      <p:sp>
+        <p:nvSpPr>
+          <p:cNvPr id="2" name="Title 1"/>
+          <p:cNvSpPr>
+            <a:spLocks noGrp="1"/>
+          </p:cNvSpPr>
+          <p:nvPr>
+            <p:ph type="title"/>
+          </p:nvPr>
+        </p:nvSpPr>
+        <p:spPr/>
+        <p:txBody>
+          <a:bodyPr>
+            <a:normAutofit fontScale="90000"/>
+          </a:bodyPr>
+          <a:lstStyle/>
+          <a:p>
+            <a:r>
+              <a:rPr lang="en-GB" dirty="0" smtClean="0"/>
+              <a:t>Restricting at Mapping level. This way we are making sure that we </a:t>
+            </a:r>
+            <a:r>
+              <a:rPr lang="en-GB" dirty="0" err="1" smtClean="0"/>
+              <a:t>dont</a:t>
+            </a:r>
+            <a:r>
+              <a:rPr lang="en-GB" dirty="0" smtClean="0"/>
+              <a:t> get unwanted fields</a:t>
+            </a:r>
+            <a:endParaRPr lang="en-US" dirty="0"/>
+          </a:p>
+        </p:txBody>
+      </p:sp>
+      <p:sp>
+        <p:nvSpPr>
+          <p:cNvPr id="3" name="Content Placeholder 2"/>
+          <p:cNvSpPr>
+            <a:spLocks noGrp="1"/>
+          </p:cNvSpPr>
+          <p:nvPr>
+            <p:ph idx="1"/>
+          </p:nvPr>
+        </p:nvSpPr>
+        <p:spPr/>
+        <p:txBody>
+          <a:bodyPr>
+            <a:normAutofit fontScale="47500" lnSpcReduction="20000"/>
+          </a:bodyPr>
+          <a:lstStyle/>
+          <a:p>
+            <a:r>
+              <a:rPr lang="en-US" dirty="0" smtClean="0"/>
+              <a:t>PUT </a:t>
+            </a:r>
+            <a:r>
+              <a:rPr lang="en-US" dirty="0" err="1" smtClean="0"/>
+              <a:t>stackoverflow_top</a:t>
+            </a:r>
+            <a:r>
+              <a:rPr lang="en-US" dirty="0" smtClean="0"/>
+              <a:t>/</a:t>
+            </a:r>
+          </a:p>
+          <a:p>
+            <a:r>
+              <a:rPr lang="en-US" dirty="0" smtClean="0"/>
+              <a:t>{</a:t>
+            </a:r>
+          </a:p>
+          <a:p>
+            <a:r>
+              <a:rPr lang="en-US" dirty="0" smtClean="0"/>
+              <a:t>  "mappings": {</a:t>
+            </a:r>
+          </a:p>
+          <a:p>
+            <a:r>
+              <a:rPr lang="en-US" dirty="0" smtClean="0"/>
+              <a:t>       "dynamic": "strict",</a:t>
+            </a:r>
+          </a:p>
+          <a:p>
+            <a:r>
+              <a:rPr lang="en-US" dirty="0" smtClean="0"/>
+              <a:t>       "properties": {</a:t>
+            </a:r>
+          </a:p>
+          <a:p>
+            <a:r>
+              <a:rPr lang="en-US" dirty="0" smtClean="0"/>
+              <a:t>         "test": {</a:t>
+            </a:r>
+          </a:p>
+          <a:p>
+            <a:r>
+              <a:rPr lang="en-US" dirty="0" smtClean="0"/>
+              <a:t>           "properties": {</a:t>
+            </a:r>
+          </a:p>
+          <a:p>
+            <a:r>
+              <a:rPr lang="en-US" dirty="0" smtClean="0"/>
+              <a:t>               "</a:t>
+            </a:r>
+            <a:r>
+              <a:rPr lang="en-US" dirty="0" err="1" smtClean="0"/>
+              <a:t>foo</a:t>
+            </a:r>
+            <a:r>
+              <a:rPr lang="en-US" dirty="0" smtClean="0"/>
+              <a:t>": { "type": "text" },</a:t>
+            </a:r>
+          </a:p>
+          <a:p>
+            <a:r>
+              <a:rPr lang="en-US" dirty="0" smtClean="0"/>
+              <a:t>               "bar": { </a:t>
+            </a:r>
+          </a:p>
+          <a:p>
+            <a:r>
+              <a:rPr lang="en-US" dirty="0" smtClean="0"/>
+              <a:t>                      "type": "nested",</a:t>
+            </a:r>
+          </a:p>
+          <a:p>
+            <a:r>
+              <a:rPr lang="en-US" dirty="0" smtClean="0"/>
+              <a:t>                      "properties": {</a:t>
+            </a:r>
+          </a:p>
+          <a:p>
+            <a:r>
+              <a:rPr lang="en-US" dirty="0" smtClean="0"/>
+              <a:t>                         "bell": { "type": "text" }</a:t>
+            </a:r>
+          </a:p>
+          <a:p>
+            <a:r>
+              <a:rPr lang="en-US" dirty="0" smtClean="0"/>
+              <a:t>                      }</a:t>
+            </a:r>
+          </a:p>
+          <a:p>
+            <a:r>
+              <a:rPr lang="en-US" dirty="0" smtClean="0"/>
+              <a:t>               }</a:t>
+            </a:r>
+          </a:p>
+          <a:p>
+            <a:r>
+              <a:rPr lang="en-US" dirty="0" smtClean="0"/>
+              <a:t>           }</a:t>
+            </a:r>
+          </a:p>
+          <a:p>
+            <a:r>
+              <a:rPr lang="en-US" dirty="0" smtClean="0"/>
+              <a:t>       }</a:t>
+            </a:r>
+          </a:p>
+          <a:p>
+            <a:r>
+              <a:rPr lang="en-US" dirty="0" smtClean="0"/>
+              <a:t>       }</a:t>
+            </a:r>
+          </a:p>
+          <a:p>
+            <a:r>
+              <a:rPr lang="en-US" dirty="0" smtClean="0"/>
+              <a:t>     }</a:t>
+            </a:r>
+          </a:p>
+          <a:p>
+            <a:r>
+              <a:rPr lang="en-US" dirty="0" smtClean="0"/>
+              <a:t>}</a:t>
+            </a:r>
+            <a:endParaRPr lang="en-US" dirty="0"/>
+          </a:p>
+        </p:txBody>
+      </p:sp>
+    </p:spTree>
+  </p:cSld>
+  <p:clrMapOvr>
+    <a:masterClrMapping/>
+  </p:clrMapOvr>
+  <p:timing>
+    <p:tnLst>
+      <p:par>
+        <p:cTn id="1" dur="indefinite" restart="never" nodeType="tmRoot"/>
+      </p:par>
+    </p:tnLst>
+  </p:timing>
+</p:sld>
+</file>
+
+<file path=ppt/slides/slide34.xml><?xml version="1.0" encoding="utf-8"?>
+<p:sld xmlns:a="http://schemas.openxmlformats.org/drawingml/2006/main" xmlns:r="http://schemas.openxmlformats.org/officeDocument/2006/relationships" xmlns:p="http://schemas.openxmlformats.org/presentationml/2006/main">
+  <p:cSld>
+    <p:spTree>
+      <p:nvGrpSpPr>
+        <p:cNvPr id="1" name=""/>
+        <p:cNvGrpSpPr/>
+        <p:nvPr/>
+      </p:nvGrpSpPr>
+      <p:grpSpPr>
+        <a:xfrm>
+          <a:off x="0" y="0"/>
+          <a:ext cx="0" cy="0"/>
+          <a:chOff x="0" y="0"/>
+          <a:chExt cx="0" cy="0"/>
+        </a:xfrm>
+      </p:grpSpPr>
+      <p:sp>
+        <p:nvSpPr>
+          <p:cNvPr id="2" name="Title 1"/>
+          <p:cNvSpPr>
+            <a:spLocks noGrp="1"/>
+          </p:cNvSpPr>
+          <p:nvPr>
+            <p:ph type="title"/>
+          </p:nvPr>
+        </p:nvSpPr>
+        <p:spPr/>
+        <p:txBody>
+          <a:bodyPr/>
+          <a:lstStyle/>
+          <a:p>
+            <a:r>
+              <a:rPr lang="en-GB" dirty="0" smtClean="0"/>
+              <a:t>To make it dynamic again</a:t>
+            </a:r>
+            <a:endParaRPr lang="en-US" dirty="0"/>
+          </a:p>
+        </p:txBody>
+      </p:sp>
+      <p:sp>
+        <p:nvSpPr>
+          <p:cNvPr id="3" name="Content Placeholder 2"/>
+          <p:cNvSpPr>
+            <a:spLocks noGrp="1"/>
+          </p:cNvSpPr>
+          <p:nvPr>
+            <p:ph idx="1"/>
+          </p:nvPr>
+        </p:nvSpPr>
+        <p:spPr/>
+        <p:txBody>
+          <a:bodyPr/>
+          <a:lstStyle/>
+          <a:p>
+            <a:r>
+              <a:rPr lang="en-GB" dirty="0" smtClean="0"/>
+              <a:t>PUT /</a:t>
+            </a:r>
+            <a:r>
+              <a:rPr lang="en-GB" dirty="0" err="1" smtClean="0"/>
+              <a:t>stackoverflow_top</a:t>
+            </a:r>
+            <a:r>
+              <a:rPr lang="en-GB" dirty="0" smtClean="0"/>
+              <a:t>/_mapping</a:t>
+            </a:r>
+          </a:p>
+          <a:p>
+            <a:r>
+              <a:rPr lang="en-GB" dirty="0" smtClean="0"/>
+              <a:t>{</a:t>
+            </a:r>
+          </a:p>
+          <a:p>
+            <a:r>
+              <a:rPr lang="en-GB" dirty="0" smtClean="0"/>
+              <a:t>  "dynamic": “true"</a:t>
+            </a:r>
+          </a:p>
+          <a:p>
+            <a:r>
+              <a:rPr lang="en-GB" dirty="0" smtClean="0"/>
+              <a:t>}</a:t>
+            </a:r>
+            <a:endParaRPr lang="en-US" dirty="0"/>
+          </a:p>
+        </p:txBody>
+      </p:sp>
+    </p:spTree>
+  </p:cSld>
+  <p:clrMapOvr>
+    <a:masterClrMapping/>
+  </p:clrMapOvr>
+</p:sld>
+</file>
+
+<file path=ppt/slides/slide35.xml><?xml version="1.0" encoding="utf-8"?>
+<p:sld xmlns:a="http://schemas.openxmlformats.org/drawingml/2006/main" xmlns:r="http://schemas.openxmlformats.org/officeDocument/2006/relationships" xmlns:p="http://schemas.openxmlformats.org/presentationml/2006/main">
+  <p:cSld>
+    <p:spTree>
+      <p:nvGrpSpPr>
+        <p:cNvPr id="1" name=""/>
+        <p:cNvGrpSpPr/>
+        <p:nvPr/>
+      </p:nvGrpSpPr>
+      <p:grpSpPr>
+        <a:xfrm>
+          <a:off x="0" y="0"/>
+          <a:ext cx="0" cy="0"/>
+          <a:chOff x="0" y="0"/>
+          <a:chExt cx="0" cy="0"/>
+        </a:xfrm>
+      </p:grpSpPr>
+      <p:sp>
+        <p:nvSpPr>
+          <p:cNvPr id="2" name="Title 1"/>
+          <p:cNvSpPr>
+            <a:spLocks noGrp="1"/>
+          </p:cNvSpPr>
+          <p:nvPr>
+            <p:ph type="title"/>
+          </p:nvPr>
+        </p:nvSpPr>
+        <p:spPr/>
+        <p:txBody>
+          <a:bodyPr/>
+          <a:lstStyle/>
+          <a:p>
+            <a:r>
+              <a:rPr lang="en-GB" dirty="0" smtClean="0"/>
+              <a:t>Dynamic =false</a:t>
+            </a:r>
+            <a:endParaRPr lang="en-US" dirty="0"/>
+          </a:p>
+        </p:txBody>
+      </p:sp>
+      <p:sp>
+        <p:nvSpPr>
+          <p:cNvPr id="3" name="Content Placeholder 2"/>
+          <p:cNvSpPr>
+            <a:spLocks noGrp="1"/>
+          </p:cNvSpPr>
+          <p:nvPr>
+            <p:ph idx="1"/>
+          </p:nvPr>
+        </p:nvSpPr>
+        <p:spPr/>
+        <p:txBody>
+          <a:bodyPr/>
+          <a:lstStyle/>
+          <a:p>
+            <a:r>
+              <a:rPr lang="en-GB" dirty="0" smtClean="0"/>
+              <a:t>PUT /</a:t>
+            </a:r>
+            <a:r>
+              <a:rPr lang="en-GB" dirty="0" err="1" smtClean="0"/>
+              <a:t>stackoverflow_top</a:t>
+            </a:r>
+            <a:r>
+              <a:rPr lang="en-GB" dirty="0" smtClean="0"/>
+              <a:t>/_mapping</a:t>
+            </a:r>
+          </a:p>
+          <a:p>
+            <a:r>
+              <a:rPr lang="en-GB" dirty="0" smtClean="0"/>
+              <a:t>{</a:t>
+            </a:r>
+          </a:p>
+          <a:p>
+            <a:r>
+              <a:rPr lang="en-GB" dirty="0" smtClean="0"/>
+              <a:t>  "dynamic": “false"</a:t>
+            </a:r>
+          </a:p>
+          <a:p>
+            <a:r>
+              <a:rPr lang="en-GB" dirty="0" smtClean="0"/>
+              <a:t>}</a:t>
+            </a:r>
+            <a:br>
+              <a:rPr lang="en-GB" dirty="0" smtClean="0"/>
+            </a:br>
+            <a:r>
+              <a:rPr lang="en-GB" dirty="0" smtClean="0"/>
+              <a:t/>
+            </a:r>
+            <a:br>
+              <a:rPr lang="en-GB" dirty="0" smtClean="0"/>
+            </a:br>
+            <a:r>
+              <a:rPr lang="en-GB" dirty="0" smtClean="0"/>
+              <a:t>Usually these fields are not indexed and cannot be queried.</a:t>
+            </a:r>
+            <a:br>
+              <a:rPr lang="en-GB" dirty="0" smtClean="0"/>
+            </a:br>
+            <a:r>
+              <a:rPr lang="en-GB" dirty="0" smtClean="0"/>
+              <a:t>Show demo on Luke</a:t>
+            </a:r>
+            <a:endParaRPr lang="en-US" dirty="0"/>
+          </a:p>
+        </p:txBody>
+      </p:sp>
+    </p:spTree>
+  </p:cSld>
+  <p:clrMapOvr>
+    <a:masterClrMapping/>
+  </p:clrMapOvr>
+</p:sld>
+</file>
+
+<file path=ppt/slides/slide36.xml><?xml version="1.0" encoding="utf-8"?>
+<p:sld xmlns:a="http://schemas.openxmlformats.org/drawingml/2006/main" xmlns:r="http://schemas.openxmlformats.org/officeDocument/2006/relationships" xmlns:p="http://schemas.openxmlformats.org/presentationml/2006/main">
+  <p:cSld>
+    <p:spTree>
+      <p:nvGrpSpPr>
+        <p:cNvPr id="1" name=""/>
+        <p:cNvGrpSpPr/>
+        <p:nvPr/>
+      </p:nvGrpSpPr>
+      <p:grpSpPr>
+        <a:xfrm>
+          <a:off x="0" y="0"/>
+          <a:ext cx="0" cy="0"/>
+          <a:chOff x="0" y="0"/>
+          <a:chExt cx="0" cy="0"/>
+        </a:xfrm>
+      </p:grpSpPr>
+      <p:sp>
+        <p:nvSpPr>
+          <p:cNvPr id="2" name="Title 1"/>
+          <p:cNvSpPr>
+            <a:spLocks noGrp="1"/>
+          </p:cNvSpPr>
+          <p:nvPr>
+            <p:ph type="title"/>
+          </p:nvPr>
+        </p:nvSpPr>
+        <p:spPr/>
+        <p:txBody>
+          <a:bodyPr/>
+          <a:lstStyle/>
+          <a:p>
+            <a:r>
+              <a:rPr lang="en-GB" dirty="0" smtClean="0"/>
+              <a:t>Demo Luke</a:t>
+            </a:r>
+            <a:endParaRPr lang="en-US" dirty="0"/>
+          </a:p>
+        </p:txBody>
+      </p:sp>
+      <p:sp>
+        <p:nvSpPr>
+          <p:cNvPr id="3" name="Content Placeholder 2"/>
+          <p:cNvSpPr>
+            <a:spLocks noGrp="1"/>
+          </p:cNvSpPr>
+          <p:nvPr>
+            <p:ph idx="1"/>
+          </p:nvPr>
+        </p:nvSpPr>
+        <p:spPr/>
+        <p:txBody>
+          <a:bodyPr/>
+          <a:lstStyle/>
+          <a:p>
+            <a:r>
+              <a:rPr lang="en-US" dirty="0" smtClean="0"/>
+              <a:t>Post &lt;index&gt;/_refresh</a:t>
+            </a:r>
+            <a:endParaRPr lang="en-US" dirty="0"/>
+          </a:p>
+        </p:txBody>
+      </p:sp>
     </p:spTree>
   </p:cSld>
   <p:clrMapOvr>
